--- a/FSM Class Diagrams.pptx
+++ b/FSM Class Diagrams.pptx
@@ -106,6 +106,11 @@
       </a:defRPr>
     </a:lvl9pPr>
   </p:defaultTextStyle>
+  <p:extLst>
+    <p:ext uri="{EFAFB233-063F-42B5-8137-9DF3F51BA10A}">
+      <p15:sldGuideLst xmlns:p15="http://schemas.microsoft.com/office/powerpoint/2012/main"/>
+    </p:ext>
+  </p:extLst>
 </p:presentation>
 </file>
 
@@ -4058,20 +4063,12 @@
           <a:p>
             <a:pPr algn="ctr"/>
             <a:r>
-              <a:rPr lang="ko-KR" altLang="en-US" dirty="0" err="1">
-                <a:solidFill>
-                  <a:schemeClr val="tx1"/>
-                </a:solidFill>
-              </a:rPr>
-              <a:t>엘리너를</a:t>
-            </a:r>
-            <a:r>
               <a:rPr lang="ko-KR" altLang="en-US" dirty="0">
                 <a:solidFill>
                   <a:schemeClr val="tx1"/>
                 </a:solidFill>
               </a:rPr>
-              <a:t> 혼낸다</a:t>
+              <a:t>배가 아프다</a:t>
             </a:r>
             <a:r>
               <a:rPr lang="en-US" altLang="ko-KR" dirty="0">

--- a/FSM Class Diagrams.pptx
+++ b/FSM Class Diagrams.pptx
@@ -273,7 +273,7 @@
           <a:p>
             <a:fld id="{98AF2553-ADDE-4A53-A4C0-F075C9259078}" type="datetimeFigureOut">
               <a:rPr lang="ko-KR" altLang="en-US" smtClean="0"/>
-              <a:t>2021-10-07</a:t>
+              <a:t>2021-10-09</a:t>
             </a:fld>
             <a:endParaRPr lang="ko-KR" altLang="en-US"/>
           </a:p>
@@ -471,7 +471,7 @@
           <a:p>
             <a:fld id="{98AF2553-ADDE-4A53-A4C0-F075C9259078}" type="datetimeFigureOut">
               <a:rPr lang="ko-KR" altLang="en-US" smtClean="0"/>
-              <a:t>2021-10-07</a:t>
+              <a:t>2021-10-09</a:t>
             </a:fld>
             <a:endParaRPr lang="ko-KR" altLang="en-US"/>
           </a:p>
@@ -679,7 +679,7 @@
           <a:p>
             <a:fld id="{98AF2553-ADDE-4A53-A4C0-F075C9259078}" type="datetimeFigureOut">
               <a:rPr lang="ko-KR" altLang="en-US" smtClean="0"/>
-              <a:t>2021-10-07</a:t>
+              <a:t>2021-10-09</a:t>
             </a:fld>
             <a:endParaRPr lang="ko-KR" altLang="en-US"/>
           </a:p>
@@ -877,7 +877,7 @@
           <a:p>
             <a:fld id="{98AF2553-ADDE-4A53-A4C0-F075C9259078}" type="datetimeFigureOut">
               <a:rPr lang="ko-KR" altLang="en-US" smtClean="0"/>
-              <a:t>2021-10-07</a:t>
+              <a:t>2021-10-09</a:t>
             </a:fld>
             <a:endParaRPr lang="ko-KR" altLang="en-US"/>
           </a:p>
@@ -1152,7 +1152,7 @@
           <a:p>
             <a:fld id="{98AF2553-ADDE-4A53-A4C0-F075C9259078}" type="datetimeFigureOut">
               <a:rPr lang="ko-KR" altLang="en-US" smtClean="0"/>
-              <a:t>2021-10-07</a:t>
+              <a:t>2021-10-09</a:t>
             </a:fld>
             <a:endParaRPr lang="ko-KR" altLang="en-US"/>
           </a:p>
@@ -1417,7 +1417,7 @@
           <a:p>
             <a:fld id="{98AF2553-ADDE-4A53-A4C0-F075C9259078}" type="datetimeFigureOut">
               <a:rPr lang="ko-KR" altLang="en-US" smtClean="0"/>
-              <a:t>2021-10-07</a:t>
+              <a:t>2021-10-09</a:t>
             </a:fld>
             <a:endParaRPr lang="ko-KR" altLang="en-US"/>
           </a:p>
@@ -1829,7 +1829,7 @@
           <a:p>
             <a:fld id="{98AF2553-ADDE-4A53-A4C0-F075C9259078}" type="datetimeFigureOut">
               <a:rPr lang="ko-KR" altLang="en-US" smtClean="0"/>
-              <a:t>2021-10-07</a:t>
+              <a:t>2021-10-09</a:t>
             </a:fld>
             <a:endParaRPr lang="ko-KR" altLang="en-US"/>
           </a:p>
@@ -1970,7 +1970,7 @@
           <a:p>
             <a:fld id="{98AF2553-ADDE-4A53-A4C0-F075C9259078}" type="datetimeFigureOut">
               <a:rPr lang="ko-KR" altLang="en-US" smtClean="0"/>
-              <a:t>2021-10-07</a:t>
+              <a:t>2021-10-09</a:t>
             </a:fld>
             <a:endParaRPr lang="ko-KR" altLang="en-US"/>
           </a:p>
@@ -2083,7 +2083,7 @@
           <a:p>
             <a:fld id="{98AF2553-ADDE-4A53-A4C0-F075C9259078}" type="datetimeFigureOut">
               <a:rPr lang="ko-KR" altLang="en-US" smtClean="0"/>
-              <a:t>2021-10-07</a:t>
+              <a:t>2021-10-09</a:t>
             </a:fld>
             <a:endParaRPr lang="ko-KR" altLang="en-US"/>
           </a:p>
@@ -2394,7 +2394,7 @@
           <a:p>
             <a:fld id="{98AF2553-ADDE-4A53-A4C0-F075C9259078}" type="datetimeFigureOut">
               <a:rPr lang="ko-KR" altLang="en-US" smtClean="0"/>
-              <a:t>2021-10-07</a:t>
+              <a:t>2021-10-09</a:t>
             </a:fld>
             <a:endParaRPr lang="ko-KR" altLang="en-US"/>
           </a:p>
@@ -2682,7 +2682,7 @@
           <a:p>
             <a:fld id="{98AF2553-ADDE-4A53-A4C0-F075C9259078}" type="datetimeFigureOut">
               <a:rPr lang="ko-KR" altLang="en-US" smtClean="0"/>
-              <a:t>2021-10-07</a:t>
+              <a:t>2021-10-09</a:t>
             </a:fld>
             <a:endParaRPr lang="ko-KR" altLang="en-US"/>
           </a:p>
@@ -2923,7 +2923,7 @@
           <a:p>
             <a:fld id="{98AF2553-ADDE-4A53-A4C0-F075C9259078}" type="datetimeFigureOut">
               <a:rPr lang="ko-KR" altLang="en-US" smtClean="0"/>
-              <a:t>2021-10-07</a:t>
+              <a:t>2021-10-09</a:t>
             </a:fld>
             <a:endParaRPr lang="ko-KR" altLang="en-US"/>
           </a:p>
@@ -4325,8 +4325,8 @@
         </p:nvSpPr>
         <p:spPr>
           <a:xfrm rot="19194008">
-            <a:off x="3178001" y="3290501"/>
-            <a:ext cx="1350050" cy="276999"/>
+            <a:off x="3101057" y="3290501"/>
+            <a:ext cx="1503938" cy="276999"/>
           </a:xfrm>
           <a:prstGeom prst="rect">
             <a:avLst/>
@@ -4341,11 +4341,11 @@
           <a:p>
             <a:r>
               <a:rPr lang="ko-KR" altLang="en-US" sz="1200" dirty="0" err="1"/>
-              <a:t>엘리너를</a:t>
+              <a:t>엘리너가</a:t>
             </a:r>
             <a:r>
               <a:rPr lang="ko-KR" altLang="en-US" sz="1200" dirty="0"/>
-              <a:t> 만난다</a:t>
+              <a:t> 찾아온다</a:t>
             </a:r>
             <a:r>
               <a:rPr lang="en-US" altLang="ko-KR" sz="1200" dirty="0"/>
@@ -4355,51 +4355,12 @@
           </a:p>
         </p:txBody>
       </p:sp>
-      <p:cxnSp>
-        <p:nvCxnSpPr>
-          <p:cNvPr id="25" name="직선 화살표 연결선 24">
-            <a:extLst>
-              <a:ext uri="{FF2B5EF4-FFF2-40B4-BE49-F238E27FC236}">
-                <a16:creationId xmlns:a16="http://schemas.microsoft.com/office/drawing/2014/main" id="{D9846AA8-4B5F-40FB-96DE-0B9CA842FEC0}"/>
-              </a:ext>
-            </a:extLst>
-          </p:cNvPr>
-          <p:cNvCxnSpPr/>
-          <p:nvPr/>
-        </p:nvCxnSpPr>
-        <p:spPr>
-          <a:xfrm flipV="1">
-            <a:off x="2396359" y="2262352"/>
-            <a:ext cx="2086302" cy="1686910"/>
-          </a:xfrm>
-          <a:prstGeom prst="straightConnector1">
-            <a:avLst/>
-          </a:prstGeom>
-          <a:ln>
-            <a:tailEnd type="triangle"/>
-          </a:ln>
-        </p:spPr>
-        <p:style>
-          <a:lnRef idx="1">
-            <a:schemeClr val="accent1"/>
-          </a:lnRef>
-          <a:fillRef idx="0">
-            <a:schemeClr val="accent1"/>
-          </a:fillRef>
-          <a:effectRef idx="0">
-            <a:schemeClr val="accent1"/>
-          </a:effectRef>
-          <a:fontRef idx="minor">
-            <a:schemeClr val="tx1"/>
-          </a:fontRef>
-        </p:style>
-      </p:cxnSp>
-      <p:sp>
-        <p:nvSpPr>
-          <p:cNvPr id="27" name="TextBox 26">
-            <a:extLst>
-              <a:ext uri="{FF2B5EF4-FFF2-40B4-BE49-F238E27FC236}">
-                <a16:creationId xmlns:a16="http://schemas.microsoft.com/office/drawing/2014/main" id="{D9F122C0-A4D7-4D58-9AC2-AB0B91451CD9}"/>
+      <p:sp>
+        <p:nvSpPr>
+          <p:cNvPr id="28" name="TextBox 27">
+            <a:extLst>
+              <a:ext uri="{FF2B5EF4-FFF2-40B4-BE49-F238E27FC236}">
+                <a16:creationId xmlns:a16="http://schemas.microsoft.com/office/drawing/2014/main" id="{0312DEBE-2F48-4B2E-AB7D-9A9A9DE6632A}"/>
               </a:ext>
             </a:extLst>
           </p:cNvPr>
@@ -4407,9 +4368,9 @@
           <p:nvPr/>
         </p:nvSpPr>
         <p:spPr>
-          <a:xfrm rot="19194008">
-            <a:off x="2949983" y="2829368"/>
-            <a:ext cx="833883" cy="276999"/>
+          <a:xfrm>
+            <a:off x="5250253" y="5004416"/>
+            <a:ext cx="1691489" cy="276999"/>
           </a:xfrm>
           <a:prstGeom prst="rect">
             <a:avLst/>
@@ -4423,52 +4384,12 @@
           <a:lstStyle/>
           <a:p>
             <a:r>
+              <a:rPr lang="ko-KR" altLang="en-US" sz="1200" err="1"/>
+              <a:t>엘리너에게</a:t>
+            </a:r>
+            <a:r>
               <a:rPr lang="ko-KR" altLang="en-US" sz="1200" dirty="0"/>
-              <a:t>돌아온다</a:t>
-            </a:r>
-            <a:r>
-              <a:rPr lang="en-US" altLang="ko-KR" sz="1200" dirty="0"/>
-              <a:t>.</a:t>
-            </a:r>
-            <a:endParaRPr lang="ko-KR" altLang="en-US" sz="1200" dirty="0"/>
-          </a:p>
-        </p:txBody>
-      </p:sp>
-      <p:sp>
-        <p:nvSpPr>
-          <p:cNvPr id="28" name="TextBox 27">
-            <a:extLst>
-              <a:ext uri="{FF2B5EF4-FFF2-40B4-BE49-F238E27FC236}">
-                <a16:creationId xmlns:a16="http://schemas.microsoft.com/office/drawing/2014/main" id="{0312DEBE-2F48-4B2E-AB7D-9A9A9DE6632A}"/>
-              </a:ext>
-            </a:extLst>
-          </p:cNvPr>
-          <p:cNvSpPr txBox="1"/>
-          <p:nvPr/>
-        </p:nvSpPr>
-        <p:spPr>
-          <a:xfrm>
-            <a:off x="5384906" y="4989786"/>
-            <a:ext cx="1350050" cy="276999"/>
-          </a:xfrm>
-          <a:prstGeom prst="rect">
-            <a:avLst/>
-          </a:prstGeom>
-          <a:noFill/>
-        </p:spPr>
-        <p:txBody>
-          <a:bodyPr wrap="none" rtlCol="0">
-            <a:spAutoFit/>
-          </a:bodyPr>
-          <a:lstStyle/>
-          <a:p>
-            <a:r>
-              <a:rPr lang="ko-KR" altLang="en-US" sz="1200" dirty="0" err="1"/>
-              <a:t>엘리너가</a:t>
-            </a:r>
-            <a:r>
-              <a:rPr lang="ko-KR" altLang="en-US" sz="1200" dirty="0"/>
-              <a:t> 떠난다</a:t>
+              <a:t> 충고한다</a:t>
             </a:r>
             <a:r>
               <a:rPr lang="en-US" altLang="ko-KR" sz="1200" dirty="0"/>
@@ -4602,7 +4523,7 @@
                   <a:schemeClr val="tx1"/>
                 </a:solidFill>
               </a:rPr>
-              <a:t>함정 계획을 세운다</a:t>
+              <a:t>계획을 세운다</a:t>
             </a:r>
             <a:r>
               <a:rPr lang="en-US" altLang="ko-KR" dirty="0">
@@ -4669,20 +4590,12 @@
           <a:p>
             <a:pPr algn="ctr"/>
             <a:r>
-              <a:rPr lang="ko-KR" altLang="en-US" dirty="0" err="1">
-                <a:solidFill>
-                  <a:schemeClr val="tx1"/>
-                </a:solidFill>
-              </a:rPr>
-              <a:t>재닛과</a:t>
-            </a:r>
-            <a:r>
               <a:rPr lang="ko-KR" altLang="en-US" dirty="0">
                 <a:solidFill>
                   <a:schemeClr val="tx1"/>
                 </a:solidFill>
               </a:rPr>
-              <a:t> 함정을 판다</a:t>
+              <a:t>계획을 실행한다</a:t>
             </a:r>
             <a:r>
               <a:rPr lang="en-US" altLang="ko-KR" dirty="0">
@@ -4754,7 +4667,7 @@
                   <a:schemeClr val="tx1"/>
                 </a:solidFill>
               </a:rPr>
-              <a:t>사람들을 속인다</a:t>
+              <a:t>상사에게 보고한다</a:t>
             </a:r>
             <a:r>
               <a:rPr lang="en-US" altLang="ko-KR" dirty="0">
@@ -5023,8 +4936,8 @@
         </p:nvSpPr>
         <p:spPr>
           <a:xfrm rot="2647923">
-            <a:off x="7825381" y="3040746"/>
-            <a:ext cx="1350050" cy="276999"/>
+            <a:off x="7979270" y="3040746"/>
+            <a:ext cx="1042273" cy="276999"/>
           </a:xfrm>
           <a:prstGeom prst="rect">
             <a:avLst/>
@@ -5039,7 +4952,86 @@
           <a:p>
             <a:r>
               <a:rPr lang="ko-KR" altLang="en-US" sz="1200" dirty="0"/>
-              <a:t>사고가 해결된다</a:t>
+              <a:t>보고를 완료</a:t>
+            </a:r>
+            <a:r>
+              <a:rPr lang="en-US" altLang="ko-KR" sz="1200" dirty="0"/>
+              <a:t>.</a:t>
+            </a:r>
+            <a:endParaRPr lang="ko-KR" altLang="en-US" sz="1200" dirty="0"/>
+          </a:p>
+        </p:txBody>
+      </p:sp>
+      <p:cxnSp>
+        <p:nvCxnSpPr>
+          <p:cNvPr id="12" name="직선 화살표 연결선 11">
+            <a:extLst>
+              <a:ext uri="{FF2B5EF4-FFF2-40B4-BE49-F238E27FC236}">
+                <a16:creationId xmlns:a16="http://schemas.microsoft.com/office/drawing/2014/main" id="{D608978C-26A8-4DBD-AD73-420BC97FFCDB}"/>
+              </a:ext>
+            </a:extLst>
+          </p:cNvPr>
+          <p:cNvCxnSpPr/>
+          <p:nvPr/>
+        </p:nvCxnSpPr>
+        <p:spPr>
+          <a:xfrm flipV="1">
+            <a:off x="2396359" y="2262352"/>
+            <a:ext cx="2086302" cy="1686910"/>
+          </a:xfrm>
+          <a:prstGeom prst="straightConnector1">
+            <a:avLst/>
+          </a:prstGeom>
+          <a:ln>
+            <a:tailEnd type="triangle"/>
+          </a:ln>
+        </p:spPr>
+        <p:style>
+          <a:lnRef idx="1">
+            <a:schemeClr val="accent1"/>
+          </a:lnRef>
+          <a:fillRef idx="0">
+            <a:schemeClr val="accent1"/>
+          </a:fillRef>
+          <a:effectRef idx="0">
+            <a:schemeClr val="accent1"/>
+          </a:effectRef>
+          <a:fontRef idx="minor">
+            <a:schemeClr val="tx1"/>
+          </a:fontRef>
+        </p:style>
+      </p:cxnSp>
+      <p:sp>
+        <p:nvSpPr>
+          <p:cNvPr id="13" name="TextBox 12">
+            <a:extLst>
+              <a:ext uri="{FF2B5EF4-FFF2-40B4-BE49-F238E27FC236}">
+                <a16:creationId xmlns:a16="http://schemas.microsoft.com/office/drawing/2014/main" id="{27AC1377-7B75-4612-91E3-D30251E0C5A9}"/>
+              </a:ext>
+            </a:extLst>
+          </p:cNvPr>
+          <p:cNvSpPr txBox="1"/>
+          <p:nvPr/>
+        </p:nvSpPr>
+        <p:spPr>
+          <a:xfrm rot="19194008">
+            <a:off x="2768844" y="2829368"/>
+            <a:ext cx="1196161" cy="276999"/>
+          </a:xfrm>
+          <a:prstGeom prst="rect">
+            <a:avLst/>
+          </a:prstGeom>
+          <a:noFill/>
+        </p:spPr>
+        <p:txBody>
+          <a:bodyPr wrap="none" rtlCol="0">
+            <a:spAutoFit/>
+          </a:bodyPr>
+          <a:lstStyle/>
+          <a:p>
+            <a:r>
+              <a:rPr lang="ko-KR" altLang="en-US" sz="1200" dirty="0"/>
+              <a:t>계획을 망친다</a:t>
             </a:r>
             <a:r>
               <a:rPr lang="en-US" altLang="ko-KR" sz="1200" dirty="0"/>
